--- a/test_codes/ConvNN_Image.pptx
+++ b/test_codes/ConvNN_Image.pptx
@@ -3585,8 +3585,8 @@
         </p:nvSpPr>
         <p:spPr>
           <a:xfrm>
-            <a:off x="497954" y="4032704"/>
-            <a:ext cx="1189878" cy="523220"/>
+            <a:off x="353917" y="3373481"/>
+            <a:ext cx="1414170" cy="1308050"/>
           </a:xfrm>
           <a:prstGeom prst="rect">
             <a:avLst/>
@@ -3611,6 +3611,39 @@
               <a:rPr lang="en-US" sz="1400" dirty="0"/>
               <a:t>bitmap image</a:t>
             </a:r>
+          </a:p>
+          <a:p>
+            <a:pPr algn="ctr"/>
+            <a:r>
+              <a:rPr lang="en-US" sz="1100" dirty="0"/>
+              <a:t>(24 pixels x 24 pixels </a:t>
+            </a:r>
+          </a:p>
+          <a:p>
+            <a:pPr algn="ctr"/>
+            <a:r>
+              <a:rPr lang="en-US" sz="1100" dirty="0"/>
+              <a:t>with 4 bits for color*)</a:t>
+            </a:r>
+          </a:p>
+          <a:p>
+            <a:pPr algn="ctr"/>
+            <a:endParaRPr lang="en-US" sz="1100" dirty="0"/>
+          </a:p>
+          <a:p>
+            <a:pPr algn="ctr"/>
+            <a:r>
+              <a:rPr lang="en-US" sz="800" dirty="0"/>
+              <a:t>* 4 bits reproduces a </a:t>
+            </a:r>
+          </a:p>
+          <a:p>
+            <a:pPr algn="ctr"/>
+            <a:r>
+              <a:rPr lang="en-US" sz="800" dirty="0"/>
+              <a:t>color palette of 16 colors</a:t>
+            </a:r>
+            <a:endParaRPr lang="en-US" sz="1000" dirty="0"/>
           </a:p>
         </p:txBody>
       </p:sp>
@@ -13295,6 +13328,103 @@
           </a:fontRef>
         </p:style>
       </p:cxnSp>
+      <p:cxnSp>
+        <p:nvCxnSpPr>
+          <p:cNvPr id="509" name="Straight Connector 508">
+            <a:extLst>
+              <a:ext uri="{FF2B5EF4-FFF2-40B4-BE49-F238E27FC236}">
+                <a16:creationId xmlns:a16="http://schemas.microsoft.com/office/drawing/2014/main" id="{CFD6A2B1-1ECB-FC42-AC55-E77C9ED41F7A}"/>
+              </a:ext>
+            </a:extLst>
+          </p:cNvPr>
+          <p:cNvCxnSpPr>
+            <a:cxnSpLocks/>
+            <a:endCxn id="510" idx="0"/>
+          </p:cNvCxnSpPr>
+          <p:nvPr/>
+        </p:nvCxnSpPr>
+        <p:spPr>
+          <a:xfrm>
+            <a:off x="1900586" y="968830"/>
+            <a:ext cx="0" cy="3895538"/>
+          </a:xfrm>
+          <a:prstGeom prst="line">
+            <a:avLst/>
+          </a:prstGeom>
+          <a:ln w="28575">
+            <a:solidFill>
+              <a:schemeClr val="tx1"/>
+            </a:solidFill>
+            <a:prstDash val="dash"/>
+          </a:ln>
+        </p:spPr>
+        <p:style>
+          <a:lnRef idx="1">
+            <a:schemeClr val="accent1"/>
+          </a:lnRef>
+          <a:fillRef idx="0">
+            <a:schemeClr val="accent1"/>
+          </a:fillRef>
+          <a:effectRef idx="0">
+            <a:schemeClr val="accent1"/>
+          </a:effectRef>
+          <a:fontRef idx="minor">
+            <a:schemeClr val="tx1"/>
+          </a:fontRef>
+        </p:style>
+      </p:cxnSp>
+      <p:sp>
+        <p:nvSpPr>
+          <p:cNvPr id="510" name="TextBox 509">
+            <a:extLst>
+              <a:ext uri="{FF2B5EF4-FFF2-40B4-BE49-F238E27FC236}">
+                <a16:creationId xmlns:a16="http://schemas.microsoft.com/office/drawing/2014/main" id="{4CD671A4-2747-FB49-8B26-6602B95CBC12}"/>
+              </a:ext>
+            </a:extLst>
+          </p:cNvPr>
+          <p:cNvSpPr txBox="1"/>
+          <p:nvPr/>
+        </p:nvSpPr>
+        <p:spPr>
+          <a:xfrm>
+            <a:off x="986186" y="4864368"/>
+            <a:ext cx="1828800" cy="993178"/>
+          </a:xfrm>
+          <a:prstGeom prst="rect">
+            <a:avLst/>
+          </a:prstGeom>
+          <a:noFill/>
+        </p:spPr>
+        <p:txBody>
+          <a:bodyPr wrap="square" rtlCol="0">
+            <a:normAutofit/>
+          </a:bodyPr>
+          <a:lstStyle/>
+          <a:p>
+            <a:pPr algn="ctr"/>
+            <a:r>
+              <a:rPr lang="en-US" sz="1400" dirty="0"/>
+              <a:t>Bitmap normalization</a:t>
+            </a:r>
+            <a:endParaRPr lang="en-US" sz="1050" dirty="0"/>
+          </a:p>
+          <a:p>
+            <a:pPr algn="ctr"/>
+            <a:r>
+              <a:rPr lang="en-US" sz="900" dirty="0"/>
+              <a:t>(each pixel is represented numerically by a color value 0-255 inside a </a:t>
+            </a:r>
+            <a:r>
+              <a:rPr lang="en-US" sz="900" dirty="0" err="1"/>
+              <a:t>numpy</a:t>
+            </a:r>
+            <a:r>
+              <a:rPr lang="en-US" sz="900" dirty="0"/>
+              <a:t> array. Normalization is achieved by dividing each number by 255.</a:t>
+            </a:r>
+          </a:p>
+        </p:txBody>
+      </p:sp>
     </p:spTree>
     <p:extLst>
       <p:ext uri="{BB962C8B-B14F-4D97-AF65-F5344CB8AC3E}">
